--- a/Магистерская/Предзащита.pptx
+++ b/Магистерская/Предзащита.pptx
@@ -113,13 +113,18 @@
       </a:defRPr>
     </a:lvl9pPr>
   </p:defaultTextStyle>
+  <p:extLst>
+    <p:ext uri="{EFAFB233-063F-42B5-8137-9DF3F51BA10A}">
+      <p15:sldGuideLst xmlns:p15="http://schemas.microsoft.com/office/powerpoint/2012/main"/>
+    </p:ext>
+  </p:extLst>
 </p:presentation>
 </file>
 
 <file path=ppt/charts/chart1.xml><?xml version="1.0" encoding="utf-8"?>
 <c:chartSpace xmlns:c="http://schemas.openxmlformats.org/drawingml/2006/chart" xmlns:a="http://schemas.openxmlformats.org/drawingml/2006/main" xmlns:r="http://schemas.openxmlformats.org/officeDocument/2006/relationships" xmlns:c16r2="http://schemas.microsoft.com/office/drawing/2015/06/chart">
   <c:date1904 val="0"/>
-  <c:lang val="ru-RU"/>
+  <c:lang val="en-US"/>
   <c:roundedCorners val="0"/>
   <mc:AlternateContent xmlns:mc="http://schemas.openxmlformats.org/markup-compatibility/2006">
     <mc:Choice xmlns:c14="http://schemas.microsoft.com/office/drawing/2007/8/2/chart" Requires="c14">
@@ -417,6 +422,7 @@
     </c:legend>
     <c:plotVisOnly val="1"/>
     <c:dispBlanksAs val="gap"/>
+    <c:showDLblsOverMax val="0"/>
     <c:extLst>
       <c:ext xmlns:c16r3="http://schemas.microsoft.com/office/drawing/2017/03/chart" uri="{56B9EC1D-385E-4148-901F-78D8002777C0}">
         <c16r3:dataDisplayOptions16>
@@ -424,7 +430,6 @@
         </c16r3:dataDisplayOptions16>
       </c:ext>
     </c:extLst>
-    <c:showDLblsOverMax val="0"/>
   </c:chart>
   <c:spPr>
     <a:noFill/>
@@ -452,7 +457,7 @@
 <file path=ppt/charts/chart2.xml><?xml version="1.0" encoding="utf-8"?>
 <c:chartSpace xmlns:c="http://schemas.openxmlformats.org/drawingml/2006/chart" xmlns:a="http://schemas.openxmlformats.org/drawingml/2006/main" xmlns:r="http://schemas.openxmlformats.org/officeDocument/2006/relationships" xmlns:c16r2="http://schemas.microsoft.com/office/drawing/2015/06/chart">
   <c:date1904 val="0"/>
-  <c:lang val="ru-RU"/>
+  <c:lang val="en-US"/>
   <c:roundedCorners val="0"/>
   <mc:AlternateContent xmlns:mc="http://schemas.openxmlformats.org/markup-compatibility/2006">
     <mc:Choice xmlns:c14="http://schemas.microsoft.com/office/drawing/2007/8/2/chart" Requires="c14">
@@ -740,6 +745,7 @@
     </c:legend>
     <c:plotVisOnly val="1"/>
     <c:dispBlanksAs val="gap"/>
+    <c:showDLblsOverMax val="0"/>
     <c:extLst>
       <c:ext xmlns:c16r3="http://schemas.microsoft.com/office/drawing/2017/03/chart" uri="{56B9EC1D-385E-4148-901F-78D8002777C0}">
         <c16r3:dataDisplayOptions16>
@@ -747,7 +753,6 @@
         </c16r3:dataDisplayOptions16>
       </c:ext>
     </c:extLst>
-    <c:showDLblsOverMax val="0"/>
   </c:chart>
   <c:spPr>
     <a:noFill/>
@@ -775,7 +780,7 @@
 <file path=ppt/charts/chart3.xml><?xml version="1.0" encoding="utf-8"?>
 <c:chartSpace xmlns:c="http://schemas.openxmlformats.org/drawingml/2006/chart" xmlns:a="http://schemas.openxmlformats.org/drawingml/2006/main" xmlns:r="http://schemas.openxmlformats.org/officeDocument/2006/relationships" xmlns:c16r2="http://schemas.microsoft.com/office/drawing/2015/06/chart">
   <c:date1904 val="0"/>
-  <c:lang val="ru-RU"/>
+  <c:lang val="en-US"/>
   <c:roundedCorners val="0"/>
   <mc:AlternateContent xmlns:mc="http://schemas.openxmlformats.org/markup-compatibility/2006">
     <mc:Choice xmlns:c14="http://schemas.microsoft.com/office/drawing/2007/8/2/chart" Requires="c14">
@@ -1154,6 +1159,7 @@
     </c:legend>
     <c:plotVisOnly val="1"/>
     <c:dispBlanksAs val="gap"/>
+    <c:showDLblsOverMax val="0"/>
     <c:extLst>
       <c:ext xmlns:c16r3="http://schemas.microsoft.com/office/drawing/2017/03/chart" uri="{56B9EC1D-385E-4148-901F-78D8002777C0}">
         <c16r3:dataDisplayOptions16>
@@ -1161,7 +1167,6 @@
         </c16r3:dataDisplayOptions16>
       </c:ext>
     </c:extLst>
-    <c:showDLblsOverMax val="0"/>
   </c:chart>
   <c:spPr>
     <a:noFill/>
@@ -2925,7 +2930,7 @@
           <a:p>
             <a:fld id="{F2089AFE-C3F0-4DD3-BBBC-C4B36DCACDEC}" type="datetimeFigureOut">
               <a:rPr lang="ru-RU" smtClean="0"/>
-              <a:t>19.10.2025</a:t>
+              <a:t>20.10.2025</a:t>
             </a:fld>
             <a:endParaRPr lang="ru-RU"/>
           </a:p>
@@ -3537,7 +3542,28 @@
                 <a:latin typeface="Times New Roman" panose="02020603050405020304" pitchFamily="18" charset="0"/>
                 <a:cs typeface="Times New Roman" panose="02020603050405020304" pitchFamily="18" charset="0"/>
               </a:rPr>
-              <a:t>овышении роли туристической отрасли в экономике страны и увеличение числа туристических поездок.</a:t>
+              <a:t>овышении роли туристической отрасли в экономике страны и увеличение числа туристических поездок. Предполагается реализовать для ИС в сфере туризма. Политика РФ заитересована в развитии внутр туризма. Нельзя без инфраструктуры. Нужно развивать</a:t>
+            </a:r>
+          </a:p>
+          <a:p>
+            <a:pPr>
+              <a:lnSpc>
+                <a:spcPct val="107000"/>
+              </a:lnSpc>
+              <a:spcAft>
+                <a:spcPts val="800"/>
+              </a:spcAft>
+            </a:pPr>
+            <a:r>
+              <a:rPr lang="ru-RU" b="0" i="0" dirty="0">
+                <a:solidFill>
+                  <a:srgbClr val="111111"/>
+                </a:solidFill>
+                <a:effectLst/>
+                <a:latin typeface="Times New Roman" panose="02020603050405020304" pitchFamily="18" charset="0"/>
+                <a:cs typeface="Times New Roman" panose="02020603050405020304" pitchFamily="18" charset="0"/>
+              </a:rPr>
+              <a:t>Существует большое колво решений . Микросервисная архитектура это популярная штука. </a:t>
             </a:r>
             <a:endParaRPr lang="ru-RU" dirty="0"/>
           </a:p>
@@ -4739,7 +4765,7 @@
           <a:p>
             <a:fld id="{A3D5900F-635E-4AAE-8140-C1DE1C51ED41}" type="datetimeFigureOut">
               <a:rPr lang="ru-RU" smtClean="0"/>
-              <a:t>19.10.2025</a:t>
+              <a:t>20.10.2025</a:t>
             </a:fld>
             <a:endParaRPr lang="ru-RU"/>
           </a:p>
@@ -4941,7 +4967,7 @@
           <a:p>
             <a:fld id="{A3D5900F-635E-4AAE-8140-C1DE1C51ED41}" type="datetimeFigureOut">
               <a:rPr lang="ru-RU" smtClean="0"/>
-              <a:t>19.10.2025</a:t>
+              <a:t>20.10.2025</a:t>
             </a:fld>
             <a:endParaRPr lang="ru-RU"/>
           </a:p>
@@ -5121,7 +5147,7 @@
           <a:p>
             <a:fld id="{A3D5900F-635E-4AAE-8140-C1DE1C51ED41}" type="datetimeFigureOut">
               <a:rPr lang="ru-RU" smtClean="0"/>
-              <a:t>19.10.2025</a:t>
+              <a:t>20.10.2025</a:t>
             </a:fld>
             <a:endParaRPr lang="ru-RU"/>
           </a:p>
@@ -5291,7 +5317,7 @@
           <a:p>
             <a:fld id="{A3D5900F-635E-4AAE-8140-C1DE1C51ED41}" type="datetimeFigureOut">
               <a:rPr lang="ru-RU" smtClean="0"/>
-              <a:t>19.10.2025</a:t>
+              <a:t>20.10.2025</a:t>
             </a:fld>
             <a:endParaRPr lang="ru-RU"/>
           </a:p>
@@ -5862,7 +5888,7 @@
           <a:p>
             <a:fld id="{A3D5900F-635E-4AAE-8140-C1DE1C51ED41}" type="datetimeFigureOut">
               <a:rPr lang="ru-RU" smtClean="0"/>
-              <a:t>19.10.2025</a:t>
+              <a:t>20.10.2025</a:t>
             </a:fld>
             <a:endParaRPr lang="ru-RU"/>
           </a:p>
@@ -6164,7 +6190,7 @@
           <a:p>
             <a:fld id="{A3D5900F-635E-4AAE-8140-C1DE1C51ED41}" type="datetimeFigureOut">
               <a:rPr lang="ru-RU" smtClean="0"/>
-              <a:t>19.10.2025</a:t>
+              <a:t>20.10.2025</a:t>
             </a:fld>
             <a:endParaRPr lang="ru-RU"/>
           </a:p>
@@ -6606,7 +6632,7 @@
           <a:p>
             <a:fld id="{A3D5900F-635E-4AAE-8140-C1DE1C51ED41}" type="datetimeFigureOut">
               <a:rPr lang="ru-RU" smtClean="0"/>
-              <a:t>19.10.2025</a:t>
+              <a:t>20.10.2025</a:t>
             </a:fld>
             <a:endParaRPr lang="ru-RU"/>
           </a:p>
@@ -6729,7 +6755,7 @@
           <a:p>
             <a:fld id="{A3D5900F-635E-4AAE-8140-C1DE1C51ED41}" type="datetimeFigureOut">
               <a:rPr lang="ru-RU" smtClean="0"/>
-              <a:t>19.10.2025</a:t>
+              <a:t>20.10.2025</a:t>
             </a:fld>
             <a:endParaRPr lang="ru-RU"/>
           </a:p>
@@ -6824,7 +6850,7 @@
           <a:p>
             <a:fld id="{A3D5900F-635E-4AAE-8140-C1DE1C51ED41}" type="datetimeFigureOut">
               <a:rPr lang="ru-RU" smtClean="0"/>
-              <a:t>19.10.2025</a:t>
+              <a:t>20.10.2025</a:t>
             </a:fld>
             <a:endParaRPr lang="ru-RU"/>
           </a:p>
@@ -7206,7 +7232,7 @@
           <a:p>
             <a:fld id="{A3D5900F-635E-4AAE-8140-C1DE1C51ED41}" type="datetimeFigureOut">
               <a:rPr lang="ru-RU" smtClean="0"/>
-              <a:t>19.10.2025</a:t>
+              <a:t>20.10.2025</a:t>
             </a:fld>
             <a:endParaRPr lang="ru-RU"/>
           </a:p>
@@ -7605,7 +7631,7 @@
           <a:p>
             <a:fld id="{A3D5900F-635E-4AAE-8140-C1DE1C51ED41}" type="datetimeFigureOut">
               <a:rPr lang="ru-RU" smtClean="0"/>
-              <a:t>19.10.2025</a:t>
+              <a:t>20.10.2025</a:t>
             </a:fld>
             <a:endParaRPr lang="ru-RU"/>
           </a:p>
@@ -7918,7 +7944,7 @@
           <a:p>
             <a:fld id="{A3D5900F-635E-4AAE-8140-C1DE1C51ED41}" type="datetimeFigureOut">
               <a:rPr lang="ru-RU" smtClean="0"/>
-              <a:t>19.10.2025</a:t>
+              <a:t>20.10.2025</a:t>
             </a:fld>
             <a:endParaRPr lang="ru-RU"/>
           </a:p>
@@ -8738,7 +8764,7 @@
                 <a:latin typeface="Times New Roman" panose="02020603050405020304" pitchFamily="18" charset="0"/>
                 <a:cs typeface="Times New Roman" panose="02020603050405020304" pitchFamily="18" charset="0"/>
               </a:rPr>
-              <a:t>НА ТЕМУ</a:t>
+              <a:t>НА ТЕМУ выбор архиртектурного решения на основе микросервисов для КИС</a:t>
             </a:r>
           </a:p>
           <a:p>
@@ -8756,25 +8782,7 @@
                 <a:ea typeface="Aptos" panose="020B0004020202020204" pitchFamily="34" charset="0"/>
                 <a:cs typeface="Times New Roman" panose="02020603050405020304" pitchFamily="18" charset="0"/>
               </a:rPr>
-              <a:t>Проектирование и сравнительный анализ архитектурных решений для корпоративной информационной системы в сфере туризма на основе </a:t>
-            </a:r>
-            <a:r>
-              <a:rPr lang="ru-RU" sz="2000" kern="100" dirty="0" err="1">
-                <a:effectLst/>
-                <a:latin typeface="Times New Roman" panose="02020603050405020304" pitchFamily="18" charset="0"/>
-                <a:ea typeface="Aptos" panose="020B0004020202020204" pitchFamily="34" charset="0"/>
-                <a:cs typeface="Times New Roman" panose="02020603050405020304" pitchFamily="18" charset="0"/>
-              </a:rPr>
-              <a:t>микросервисного</a:t>
-            </a:r>
-            <a:r>
-              <a:rPr lang="ru-RU" sz="2000" kern="100" dirty="0">
-                <a:effectLst/>
-                <a:latin typeface="Times New Roman" panose="02020603050405020304" pitchFamily="18" charset="0"/>
-                <a:ea typeface="Aptos" panose="020B0004020202020204" pitchFamily="34" charset="0"/>
-                <a:cs typeface="Times New Roman" panose="02020603050405020304" pitchFamily="18" charset="0"/>
-              </a:rPr>
-              <a:t> подхода</a:t>
+              <a:t>Проектирование и анализ архитектурных решений для корпоративной информационной системы на основе микросервисного подхода</a:t>
             </a:r>
             <a:r>
               <a:rPr lang="ru-RU" sz="2000" dirty="0">
@@ -11331,7 +11339,7 @@
                 <a:latin typeface="Times New Roman" panose="02020603050405020304" pitchFamily="18" charset="0"/>
                 <a:cs typeface="Times New Roman" panose="02020603050405020304" pitchFamily="18" charset="0"/>
               </a:rPr>
-              <a:t>Степень разработанности темы</a:t>
+              <a:t>Существующие исследования</a:t>
             </a:r>
           </a:p>
         </p:txBody>
@@ -12139,7 +12147,7 @@
                 <a:ea typeface="Aptos" panose="020B0004020202020204" pitchFamily="34" charset="0"/>
                 <a:cs typeface="Times New Roman" panose="02020603050405020304" pitchFamily="18" charset="0"/>
               </a:rPr>
-              <a:t>процессы проектирования и архитектура корпоративных информационных систем (КИС) в туризме.</a:t>
+              <a:t>процессы проектирования и архитектура корпоративных информационных систем (КИС) в туризме. Микросервисная архитектура.</a:t>
             </a:r>
             <a:endParaRPr lang="ru-RU" sz="1800" kern="100" dirty="0">
               <a:effectLst/>
@@ -12164,7 +12172,7 @@
                 <a:ea typeface="Tahoma" pitchFamily="2"/>
                 <a:cs typeface="Droid Sans Devanagari" pitchFamily="2"/>
               </a:rPr>
-              <a:t>Предмет исследования </a:t>
+              <a:t>	Предмет исследования </a:t>
             </a:r>
             <a:r>
               <a:rPr lang="ru-RU" sz="1800" b="0" i="0" u="none" strike="noStrike" kern="1200" cap="none" dirty="0">
@@ -12188,7 +12196,7 @@
                 <a:latin typeface="Times New Roman" panose="02020603050405020304" pitchFamily="18" charset="0"/>
                 <a:ea typeface="Aptos" panose="020B0004020202020204" pitchFamily="34" charset="0"/>
               </a:rPr>
-              <a:t>виды архитектуры как паттерн проектирования для КИС и их характеристики.</a:t>
+              <a:t>виды архитектуры как паттерн проектирования для КИС и их характеристики. Свойства микросервисного паттерна. </a:t>
             </a:r>
             <a:endParaRPr lang="ru-RU" sz="1800" dirty="0">
               <a:latin typeface="Times New Roman" pitchFamily="18"/>
@@ -12250,7 +12258,7 @@
         </p:spPr>
         <p:txBody>
           <a:bodyPr>
-            <a:normAutofit/>
+            <a:normAutofit fontScale="90000"/>
           </a:bodyPr>
           <a:lstStyle/>
           <a:p>
@@ -12263,7 +12271,7 @@
                 <a:latin typeface="Times New Roman" panose="02020603050405020304" pitchFamily="18" charset="0"/>
                 <a:cs typeface="Times New Roman" panose="02020603050405020304" pitchFamily="18" charset="0"/>
               </a:rPr>
-              <a:t>Научная новизна</a:t>
+              <a:t>Научная новизна и планируемые результаты</a:t>
             </a:r>
             <a:endParaRPr lang="ru-RU" dirty="0"/>
           </a:p>
@@ -12411,30 +12419,49 @@
                 <a:ea typeface="Aptos" panose="020B0004020202020204" pitchFamily="34" charset="0"/>
                 <a:cs typeface="Times New Roman" panose="02020603050405020304" pitchFamily="18" charset="0"/>
               </a:rPr>
-              <a:t>, особенностью которой является обоснованное распределение функциональности по </a:t>
-            </a:r>
-            <a:r>
-              <a:rPr lang="ru-RU" sz="1800" dirty="0" err="1">
-                <a:effectLst/>
+              <a:t>, особенностью которой является обоснованное распределение функциональности по микросервисам на основе анализа волатильн</a:t>
+            </a:r>
+            <a:r>
+              <a:rPr lang="ru-RU" dirty="0">
                 <a:latin typeface="Times New Roman" panose="02020603050405020304" pitchFamily="18" charset="0"/>
                 <a:ea typeface="Aptos" panose="020B0004020202020204" pitchFamily="34" charset="0"/>
                 <a:cs typeface="Times New Roman" panose="02020603050405020304" pitchFamily="18" charset="0"/>
               </a:rPr>
-              <a:t>микросервисам</a:t>
-            </a:r>
-            <a:r>
-              <a:rPr lang="ru-RU" sz="1800" dirty="0">
-                <a:effectLst/>
+              <a:t>ости компонентов и требований к изоляции сбоев.</a:t>
+            </a:r>
+            <a:endParaRPr lang="ru-RU" sz="1800" dirty="0">
+              <a:effectLst/>
+              <a:latin typeface="Times New Roman" panose="02020603050405020304" pitchFamily="18" charset="0"/>
+              <a:ea typeface="Aptos" panose="020B0004020202020204" pitchFamily="34" charset="0"/>
+              <a:cs typeface="Times New Roman" panose="02020603050405020304" pitchFamily="18" charset="0"/>
+            </a:endParaRPr>
+          </a:p>
+          <a:p>
+            <a:pPr marL="342900" indent="-342900" algn="just">
+              <a:buFont typeface="+mj-lt"/>
+              <a:buAutoNum type="arabicPeriod"/>
+            </a:pPr>
+            <a:r>
+              <a:rPr lang="ru-RU" dirty="0">
                 <a:latin typeface="Times New Roman" panose="02020603050405020304" pitchFamily="18" charset="0"/>
                 <a:ea typeface="Aptos" panose="020B0004020202020204" pitchFamily="34" charset="0"/>
                 <a:cs typeface="Times New Roman" panose="02020603050405020304" pitchFamily="18" charset="0"/>
               </a:rPr>
-              <a:t> на основе анализа волатильности компонентов и требований к изоляции сбоев.</a:t>
-            </a:r>
-            <a:endParaRPr lang="ru-RU" dirty="0">
-              <a:latin typeface="Times New Roman" panose="02020603050405020304" pitchFamily="18" charset="0"/>
-              <a:cs typeface="Times New Roman" panose="02020603050405020304" pitchFamily="18" charset="0"/>
-            </a:endParaRPr>
+              <a:t>Рекомендации по выборе микросервисного ахитертуры – это результаты.</a:t>
+            </a:r>
+          </a:p>
+          <a:p>
+            <a:pPr marL="342900" indent="-342900" algn="just">
+              <a:buFont typeface="+mj-lt"/>
+              <a:buAutoNum type="arabicPeriod"/>
+            </a:pPr>
+            <a:r>
+              <a:rPr lang="ru-RU" dirty="0">
+                <a:latin typeface="Times New Roman" panose="02020603050405020304" pitchFamily="18" charset="0"/>
+                <a:cs typeface="Times New Roman" panose="02020603050405020304" pitchFamily="18" charset="0"/>
+              </a:rPr>
+              <a:t>Установление неявных закономерностей и требований к ИС микросервисы.</a:t>
+            </a:r>
           </a:p>
         </p:txBody>
       </p:sp>
